--- a/EduCycle Database Presentation.pptx
+++ b/EduCycle Database Presentation.pptx
@@ -5,10 +5,10 @@
     <p:sldMasterId id="2147483672" r:id="rId4"/>
   </p:sldMasterIdLst>
   <p:notesMasterIdLst>
-    <p:notesMasterId r:id="rId19"/>
+    <p:notesMasterId r:id="rId18"/>
   </p:notesMasterIdLst>
   <p:handoutMasterIdLst>
-    <p:handoutMasterId r:id="rId20"/>
+    <p:handoutMasterId r:id="rId19"/>
   </p:handoutMasterIdLst>
   <p:sldIdLst>
     <p:sldId id="256" r:id="rId5"/>
@@ -22,9 +22,8 @@
     <p:sldId id="259" r:id="rId13"/>
     <p:sldId id="268" r:id="rId14"/>
     <p:sldId id="270" r:id="rId15"/>
-    <p:sldId id="271" r:id="rId16"/>
-    <p:sldId id="260" r:id="rId17"/>
-    <p:sldId id="269" r:id="rId18"/>
+    <p:sldId id="260" r:id="rId16"/>
+    <p:sldId id="269" r:id="rId17"/>
   </p:sldIdLst>
   <p:sldSz cx="12192000" cy="6858000"/>
   <p:notesSz cx="6858000" cy="2352675"/>
@@ -2076,50 +2075,6 @@
         </a:p>
       </dgm:t>
     </dgm:pt>
-    <dgm:pt modelId="{5605D28D-2CE6-4513-8566-952984E21E14}">
-      <dgm:prSet phldrT="[Text]" phldr="0"/>
-      <dgm:spPr/>
-      <dgm:t>
-        <a:bodyPr/>
-        <a:lstStyle/>
-        <a:p>
-          <a:pPr rtl="0">
-            <a:lnSpc>
-              <a:spcPct val="100000"/>
-            </a:lnSpc>
-          </a:pPr>
-          <a:r>
-            <a:rPr lang="en-US" dirty="0">
-              <a:latin typeface="Gill Sans MT" panose="020B0502020104020203"/>
-            </a:rPr>
-            <a:t>Key Techniques/Code/Queries</a:t>
-          </a:r>
-          <a:endParaRPr lang="en-US" dirty="0"/>
-        </a:p>
-      </dgm:t>
-    </dgm:pt>
-    <dgm:pt modelId="{EB15AB98-362B-4E70-A3DA-995FC3E8BA79}" type="parTrans" cxnId="{FAF3F884-F0CF-440F-8CB1-B7648AB1B138}">
-      <dgm:prSet/>
-      <dgm:spPr/>
-      <dgm:t>
-        <a:bodyPr/>
-        <a:lstStyle/>
-        <a:p>
-          <a:endParaRPr lang="en-US"/>
-        </a:p>
-      </dgm:t>
-    </dgm:pt>
-    <dgm:pt modelId="{823D1971-2C4D-4EC5-A874-2F463DE37109}" type="sibTrans" cxnId="{FAF3F884-F0CF-440F-8CB1-B7648AB1B138}">
-      <dgm:prSet/>
-      <dgm:spPr/>
-      <dgm:t>
-        <a:bodyPr/>
-        <a:lstStyle/>
-        <a:p>
-          <a:endParaRPr lang="en-US"/>
-        </a:p>
-      </dgm:t>
-    </dgm:pt>
     <dgm:pt modelId="{57806726-6E60-4ACC-9C1C-7DF9CC365A10}" type="pres">
       <dgm:prSet presAssocID="{7E5AA53B-3EEE-4DE4-BB81-9044890C2946}" presName="Name0" presStyleCnt="0">
         <dgm:presLayoutVars>
@@ -2139,7 +2094,7 @@
       <dgm:spPr/>
     </dgm:pt>
     <dgm:pt modelId="{963B8EE3-40CC-4A0A-B420-D0BF920973CE}" type="pres">
-      <dgm:prSet presAssocID="{7E5AA53B-3EEE-4DE4-BB81-9044890C2946}" presName="srcNode" presStyleLbl="node1" presStyleIdx="0" presStyleCnt="3"/>
+      <dgm:prSet presAssocID="{7E5AA53B-3EEE-4DE4-BB81-9044890C2946}" presName="srcNode" presStyleLbl="node1" presStyleIdx="0" presStyleCnt="2"/>
       <dgm:spPr/>
     </dgm:pt>
     <dgm:pt modelId="{D79B43FC-100B-4A0D-A4D5-0D2D04B99064}" type="pres">
@@ -2147,15 +2102,15 @@
       <dgm:spPr/>
     </dgm:pt>
     <dgm:pt modelId="{3CAD8DA1-8D53-445C-ACE8-D8449E4F0F55}" type="pres">
-      <dgm:prSet presAssocID="{7E5AA53B-3EEE-4DE4-BB81-9044890C2946}" presName="extraNode" presStyleLbl="node1" presStyleIdx="0" presStyleCnt="3"/>
+      <dgm:prSet presAssocID="{7E5AA53B-3EEE-4DE4-BB81-9044890C2946}" presName="extraNode" presStyleLbl="node1" presStyleIdx="0" presStyleCnt="2"/>
       <dgm:spPr/>
     </dgm:pt>
     <dgm:pt modelId="{429CABD1-4116-474B-81BF-735E2CA9DD00}" type="pres">
-      <dgm:prSet presAssocID="{7E5AA53B-3EEE-4DE4-BB81-9044890C2946}" presName="dstNode" presStyleLbl="node1" presStyleIdx="0" presStyleCnt="3"/>
+      <dgm:prSet presAssocID="{7E5AA53B-3EEE-4DE4-BB81-9044890C2946}" presName="dstNode" presStyleLbl="node1" presStyleIdx="0" presStyleCnt="2"/>
       <dgm:spPr/>
     </dgm:pt>
     <dgm:pt modelId="{58319267-C71E-43C9-94E1-827D0616C7A7}" type="pres">
-      <dgm:prSet presAssocID="{6750AC01-D39D-4F3A-9DC8-2A211EE986A2}" presName="text_1" presStyleLbl="node1" presStyleIdx="0" presStyleCnt="3">
+      <dgm:prSet presAssocID="{6750AC01-D39D-4F3A-9DC8-2A211EE986A2}" presName="text_1" presStyleLbl="node1" presStyleIdx="0" presStyleCnt="2">
         <dgm:presLayoutVars>
           <dgm:bulletEnabled val="1"/>
         </dgm:presLayoutVars>
@@ -2167,11 +2122,11 @@
       <dgm:spPr/>
     </dgm:pt>
     <dgm:pt modelId="{07CB3071-D555-47DA-A36A-69EB91531FD8}" type="pres">
-      <dgm:prSet presAssocID="{6750AC01-D39D-4F3A-9DC8-2A211EE986A2}" presName="accentRepeatNode" presStyleLbl="solidFgAcc1" presStyleIdx="0" presStyleCnt="3"/>
+      <dgm:prSet presAssocID="{6750AC01-D39D-4F3A-9DC8-2A211EE986A2}" presName="accentRepeatNode" presStyleLbl="solidFgAcc1" presStyleIdx="0" presStyleCnt="2"/>
       <dgm:spPr/>
     </dgm:pt>
     <dgm:pt modelId="{95DE6538-27BD-44AF-A1A8-CA8F6B10FDD2}" type="pres">
-      <dgm:prSet presAssocID="{0BEF68B8-1228-47BB-83B5-7B9CD1E3F84E}" presName="text_2" presStyleLbl="node1" presStyleIdx="1" presStyleCnt="3">
+      <dgm:prSet presAssocID="{0BEF68B8-1228-47BB-83B5-7B9CD1E3F84E}" presName="text_2" presStyleLbl="node1" presStyleIdx="1" presStyleCnt="2">
         <dgm:presLayoutVars>
           <dgm:bulletEnabled val="1"/>
         </dgm:presLayoutVars>
@@ -2183,23 +2138,7 @@
       <dgm:spPr/>
     </dgm:pt>
     <dgm:pt modelId="{3F8116AC-FAC3-4E95-9865-93CCFEB191B9}" type="pres">
-      <dgm:prSet presAssocID="{0BEF68B8-1228-47BB-83B5-7B9CD1E3F84E}" presName="accentRepeatNode" presStyleLbl="solidFgAcc1" presStyleIdx="1" presStyleCnt="3"/>
-      <dgm:spPr/>
-    </dgm:pt>
-    <dgm:pt modelId="{E131CE4A-9776-44F4-BC03-867682E21374}" type="pres">
-      <dgm:prSet presAssocID="{5605D28D-2CE6-4513-8566-952984E21E14}" presName="text_3" presStyleLbl="node1" presStyleIdx="2" presStyleCnt="3">
-        <dgm:presLayoutVars>
-          <dgm:bulletEnabled val="1"/>
-        </dgm:presLayoutVars>
-      </dgm:prSet>
-      <dgm:spPr/>
-    </dgm:pt>
-    <dgm:pt modelId="{AC9A216A-8375-48F9-A4E6-8E0B64C0209B}" type="pres">
-      <dgm:prSet presAssocID="{5605D28D-2CE6-4513-8566-952984E21E14}" presName="accent_3" presStyleCnt="0"/>
-      <dgm:spPr/>
-    </dgm:pt>
-    <dgm:pt modelId="{A965097E-32F1-4AB8-8C4E-2814A7596B2F}" type="pres">
-      <dgm:prSet presAssocID="{5605D28D-2CE6-4513-8566-952984E21E14}" presName="accentRepeatNode" presStyleLbl="solidFgAcc1" presStyleIdx="2" presStyleCnt="3"/>
+      <dgm:prSet presAssocID="{0BEF68B8-1228-47BB-83B5-7B9CD1E3F84E}" presName="accentRepeatNode" presStyleLbl="solidFgAcc1" presStyleIdx="1" presStyleCnt="2"/>
       <dgm:spPr/>
     </dgm:pt>
   </dgm:ptLst>
@@ -2207,9 +2146,7 @@
     <dgm:cxn modelId="{A11E3B12-1828-45A7-86C3-BB85832DF84D}" type="presOf" srcId="{CA077D98-8478-47EA-B6A9-99ACE60C64D4}" destId="{D79B43FC-100B-4A0D-A4D5-0D2D04B99064}" srcOrd="0" destOrd="0" presId="urn:microsoft.com/office/officeart/2008/layout/VerticalCurvedList"/>
     <dgm:cxn modelId="{0B5DAE5F-BCDC-4BF7-A6E7-CF856886A64D}" srcId="{7E5AA53B-3EEE-4DE4-BB81-9044890C2946}" destId="{6750AC01-D39D-4F3A-9DC8-2A211EE986A2}" srcOrd="0" destOrd="0" parTransId="{720680DC-AAA4-4434-A582-60EBCC5BA355}" sibTransId="{CA077D98-8478-47EA-B6A9-99ACE60C64D4}"/>
     <dgm:cxn modelId="{29DA474E-5DFA-4C66-882F-319C49ABBB19}" type="presOf" srcId="{6750AC01-D39D-4F3A-9DC8-2A211EE986A2}" destId="{58319267-C71E-43C9-94E1-827D0616C7A7}" srcOrd="0" destOrd="0" presId="urn:microsoft.com/office/officeart/2008/layout/VerticalCurvedList"/>
-    <dgm:cxn modelId="{7084AA77-BACB-46CB-AE4A-77B62D3ED1AF}" type="presOf" srcId="{5605D28D-2CE6-4513-8566-952984E21E14}" destId="{E131CE4A-9776-44F4-BC03-867682E21374}" srcOrd="0" destOrd="0" presId="urn:microsoft.com/office/officeart/2008/layout/VerticalCurvedList"/>
     <dgm:cxn modelId="{EDEF4F82-1237-4639-A0F7-385C1897CE66}" srcId="{7E5AA53B-3EEE-4DE4-BB81-9044890C2946}" destId="{0BEF68B8-1228-47BB-83B5-7B9CD1E3F84E}" srcOrd="1" destOrd="0" parTransId="{ED3A4BC2-B75A-4952-A38B-A42B5995DF05}" sibTransId="{FD949706-EDCC-4ADC-8EDF-8EDA49C92325}"/>
-    <dgm:cxn modelId="{FAF3F884-F0CF-440F-8CB1-B7648AB1B138}" srcId="{7E5AA53B-3EEE-4DE4-BB81-9044890C2946}" destId="{5605D28D-2CE6-4513-8566-952984E21E14}" srcOrd="2" destOrd="0" parTransId="{EB15AB98-362B-4E70-A3DA-995FC3E8BA79}" sibTransId="{823D1971-2C4D-4EC5-A874-2F463DE37109}"/>
     <dgm:cxn modelId="{4F65CC8F-B5A8-40BE-A32B-05862B543D6A}" type="presOf" srcId="{7E5AA53B-3EEE-4DE4-BB81-9044890C2946}" destId="{57806726-6E60-4ACC-9C1C-7DF9CC365A10}" srcOrd="0" destOrd="0" presId="urn:microsoft.com/office/officeart/2008/layout/VerticalCurvedList"/>
     <dgm:cxn modelId="{4A378892-5CCC-4F0D-8A38-4BEAECF30F24}" type="presOf" srcId="{0BEF68B8-1228-47BB-83B5-7B9CD1E3F84E}" destId="{95DE6538-27BD-44AF-A1A8-CA8F6B10FDD2}" srcOrd="0" destOrd="0" presId="urn:microsoft.com/office/officeart/2008/layout/VerticalCurvedList"/>
     <dgm:cxn modelId="{4E25B52E-70EF-4A0F-B410-0B49263AF380}" type="presParOf" srcId="{57806726-6E60-4ACC-9C1C-7DF9CC365A10}" destId="{90561C55-3C6E-4D53-85E1-2C50BCDDA392}" srcOrd="0" destOrd="0" presId="urn:microsoft.com/office/officeart/2008/layout/VerticalCurvedList"/>
@@ -2224,9 +2161,6 @@
     <dgm:cxn modelId="{602753E6-8A03-492B-861A-6B9532B5AA28}" type="presParOf" srcId="{90561C55-3C6E-4D53-85E1-2C50BCDDA392}" destId="{95DE6538-27BD-44AF-A1A8-CA8F6B10FDD2}" srcOrd="3" destOrd="0" presId="urn:microsoft.com/office/officeart/2008/layout/VerticalCurvedList"/>
     <dgm:cxn modelId="{AEC540A3-E86A-4075-8BE4-263F4AFF4EA1}" type="presParOf" srcId="{90561C55-3C6E-4D53-85E1-2C50BCDDA392}" destId="{312BDEE8-85BD-4F02-B35B-2CC8E701C98B}" srcOrd="4" destOrd="0" presId="urn:microsoft.com/office/officeart/2008/layout/VerticalCurvedList"/>
     <dgm:cxn modelId="{CD5D1014-B7CB-4B47-9A02-5FBF90928A73}" type="presParOf" srcId="{312BDEE8-85BD-4F02-B35B-2CC8E701C98B}" destId="{3F8116AC-FAC3-4E95-9865-93CCFEB191B9}" srcOrd="0" destOrd="0" presId="urn:microsoft.com/office/officeart/2008/layout/VerticalCurvedList"/>
-    <dgm:cxn modelId="{987EB7C0-CA3E-4874-85E0-01E9060A2D35}" type="presParOf" srcId="{90561C55-3C6E-4D53-85E1-2C50BCDDA392}" destId="{E131CE4A-9776-44F4-BC03-867682E21374}" srcOrd="5" destOrd="0" presId="urn:microsoft.com/office/officeart/2008/layout/VerticalCurvedList"/>
-    <dgm:cxn modelId="{91E55363-8DCA-455E-A203-06A9410994CB}" type="presParOf" srcId="{90561C55-3C6E-4D53-85E1-2C50BCDDA392}" destId="{AC9A216A-8375-48F9-A4E6-8E0B64C0209B}" srcOrd="6" destOrd="0" presId="urn:microsoft.com/office/officeart/2008/layout/VerticalCurvedList"/>
-    <dgm:cxn modelId="{D866D586-1293-4049-B6E3-B467C1D5ED64}" type="presParOf" srcId="{AC9A216A-8375-48F9-A4E6-8E0B64C0209B}" destId="{A965097E-32F1-4AB8-8C4E-2814A7596B2F}" srcOrd="0" destOrd="0" presId="urn:microsoft.com/office/officeart/2008/layout/VerticalCurvedList"/>
   </dgm:cxnLst>
   <dgm:bg/>
   <dgm:whole/>
@@ -2600,7 +2534,7 @@
       </dsp:nvSpPr>
       <dsp:spPr>
         <a:xfrm>
-          <a:off x="-4028574" y="-618397"/>
+          <a:off x="-4000085" y="-618397"/>
           <a:ext cx="4800732" cy="4800732"/>
         </a:xfrm>
         <a:prstGeom prst="blockArc">
@@ -2645,8 +2579,8 @@
       </dsp:nvSpPr>
       <dsp:spPr>
         <a:xfrm>
-          <a:off x="496568" y="356393"/>
-          <a:ext cx="6310391" cy="712787"/>
+          <a:off x="655140" y="509144"/>
+          <a:ext cx="6180307" cy="1018145"/>
         </a:xfrm>
         <a:prstGeom prst="rect">
           <a:avLst/>
@@ -2702,12 +2636,12 @@
         </a:fontRef>
       </dsp:style>
       <dsp:txBody>
-        <a:bodyPr spcFirstLastPara="0" vert="horz" wrap="square" lIns="565775" tIns="88900" rIns="88900" bIns="88900" numCol="1" spcCol="1270" anchor="ctr" anchorCtr="0">
+        <a:bodyPr spcFirstLastPara="0" vert="horz" wrap="square" lIns="808153" tIns="129540" rIns="129540" bIns="129540" numCol="1" spcCol="1270" anchor="ctr" anchorCtr="0">
           <a:noAutofit/>
         </a:bodyPr>
         <a:lstStyle/>
         <a:p>
-          <a:pPr marL="0" lvl="0" indent="0" algn="l" defTabSz="1555750" rtl="0">
+          <a:pPr marL="0" lvl="0" indent="0" algn="l" defTabSz="2266950" rtl="0">
             <a:lnSpc>
               <a:spcPct val="100000"/>
             </a:lnSpc>
@@ -2720,7 +2654,7 @@
             <a:buNone/>
           </a:pPr>
           <a:r>
-            <a:rPr lang="en-US" sz="3500" kern="1200" dirty="0">
+            <a:rPr lang="en-US" sz="5100" kern="1200" dirty="0">
               <a:solidFill>
                 <a:schemeClr val="bg1"/>
               </a:solidFill>
@@ -2728,7 +2662,7 @@
             </a:rPr>
             <a:t>Database</a:t>
           </a:r>
-          <a:endParaRPr lang="en-US" sz="3500" b="0" i="0" u="none" strike="noStrike" kern="1200" cap="none" baseline="0" noProof="0" dirty="0">
+          <a:endParaRPr lang="en-US" sz="5100" b="0" i="0" u="none" strike="noStrike" kern="1200" cap="none" baseline="0" noProof="0" dirty="0">
             <a:solidFill>
               <a:schemeClr val="bg1"/>
             </a:solidFill>
@@ -2737,8 +2671,8 @@
         </a:p>
       </dsp:txBody>
       <dsp:txXfrm>
-        <a:off x="496568" y="356393"/>
-        <a:ext cx="6310391" cy="712787"/>
+        <a:off x="655140" y="509144"/>
+        <a:ext cx="6180307" cy="1018145"/>
       </dsp:txXfrm>
     </dsp:sp>
     <dsp:sp modelId="{07CB3071-D555-47DA-A36A-69EB91531FD8}">
@@ -2748,8 +2682,8 @@
       </dsp:nvSpPr>
       <dsp:spPr>
         <a:xfrm>
-          <a:off x="51076" y="267295"/>
-          <a:ext cx="890984" cy="890984"/>
+          <a:off x="18799" y="381875"/>
+          <a:ext cx="1272682" cy="1272682"/>
         </a:xfrm>
         <a:prstGeom prst="ellipse">
           <a:avLst/>
@@ -2795,8 +2729,8 @@
       </dsp:nvSpPr>
       <dsp:spPr>
         <a:xfrm>
-          <a:off x="755666" y="1425575"/>
-          <a:ext cx="6051292" cy="712787"/>
+          <a:off x="655140" y="2036648"/>
+          <a:ext cx="6180307" cy="1018145"/>
         </a:xfrm>
         <a:prstGeom prst="rect">
           <a:avLst/>
@@ -2852,12 +2786,12 @@
         </a:fontRef>
       </dsp:style>
       <dsp:txBody>
-        <a:bodyPr spcFirstLastPara="0" vert="horz" wrap="square" lIns="565775" tIns="88900" rIns="88900" bIns="88900" numCol="1" spcCol="1270" anchor="ctr" anchorCtr="0">
+        <a:bodyPr spcFirstLastPara="0" vert="horz" wrap="square" lIns="808153" tIns="129540" rIns="129540" bIns="129540" numCol="1" spcCol="1270" anchor="ctr" anchorCtr="0">
           <a:noAutofit/>
         </a:bodyPr>
         <a:lstStyle/>
         <a:p>
-          <a:pPr marL="0" lvl="0" indent="0" algn="l" defTabSz="1555750">
+          <a:pPr marL="0" lvl="0" indent="0" algn="l" defTabSz="2266950">
             <a:lnSpc>
               <a:spcPct val="100000"/>
             </a:lnSpc>
@@ -2870,17 +2804,17 @@
             <a:buNone/>
           </a:pPr>
           <a:r>
-            <a:rPr lang="en-US" sz="3500" kern="1200" dirty="0">
+            <a:rPr lang="en-US" sz="5100" kern="1200" dirty="0">
               <a:latin typeface="Gill Sans MT" panose="020B0502020104020203"/>
             </a:rPr>
             <a:t>Application</a:t>
           </a:r>
-          <a:endParaRPr lang="en-US" sz="3500" kern="1200" dirty="0"/>
+          <a:endParaRPr lang="en-US" sz="5100" kern="1200" dirty="0"/>
         </a:p>
       </dsp:txBody>
       <dsp:txXfrm>
-        <a:off x="755666" y="1425575"/>
-        <a:ext cx="6051292" cy="712787"/>
+        <a:off x="655140" y="2036648"/>
+        <a:ext cx="6180307" cy="1018145"/>
       </dsp:txXfrm>
     </dsp:sp>
     <dsp:sp modelId="{3F8116AC-FAC3-4E95-9865-93CCFEB191B9}">
@@ -2890,150 +2824,8 @@
       </dsp:nvSpPr>
       <dsp:spPr>
         <a:xfrm>
-          <a:off x="310174" y="1336476"/>
-          <a:ext cx="890984" cy="890984"/>
-        </a:xfrm>
-        <a:prstGeom prst="ellipse">
-          <a:avLst/>
-        </a:prstGeom>
-        <a:solidFill>
-          <a:schemeClr val="lt1">
-            <a:hueOff val="0"/>
-            <a:satOff val="0"/>
-            <a:lumOff val="0"/>
-            <a:alphaOff val="0"/>
-          </a:schemeClr>
-        </a:solidFill>
-        <a:ln w="12700" cap="rnd" cmpd="sng" algn="ctr">
-          <a:solidFill>
-            <a:schemeClr val="accent2">
-              <a:hueOff val="0"/>
-              <a:satOff val="0"/>
-              <a:lumOff val="0"/>
-              <a:alphaOff val="0"/>
-            </a:schemeClr>
-          </a:solidFill>
-          <a:prstDash val="solid"/>
-        </a:ln>
-        <a:effectLst/>
-      </dsp:spPr>
-      <dsp:style>
-        <a:lnRef idx="1">
-          <a:scrgbClr r="0" g="0" b="0"/>
-        </a:lnRef>
-        <a:fillRef idx="1">
-          <a:scrgbClr r="0" g="0" b="0"/>
-        </a:fillRef>
-        <a:effectRef idx="0">
-          <a:scrgbClr r="0" g="0" b="0"/>
-        </a:effectRef>
-        <a:fontRef idx="minor"/>
-      </dsp:style>
-    </dsp:sp>
-    <dsp:sp modelId="{E131CE4A-9776-44F4-BC03-867682E21374}">
-      <dsp:nvSpPr>
-        <dsp:cNvPr id="0" name=""/>
-        <dsp:cNvSpPr/>
-      </dsp:nvSpPr>
-      <dsp:spPr>
-        <a:xfrm>
-          <a:off x="496568" y="2494756"/>
-          <a:ext cx="6310391" cy="712787"/>
-        </a:xfrm>
-        <a:prstGeom prst="rect">
-          <a:avLst/>
-        </a:prstGeom>
-        <a:gradFill rotWithShape="0">
-          <a:gsLst>
-            <a:gs pos="0">
-              <a:schemeClr val="accent2">
-                <a:hueOff val="0"/>
-                <a:satOff val="0"/>
-                <a:lumOff val="0"/>
-                <a:alphaOff val="0"/>
-                <a:tint val="98000"/>
-                <a:lumMod val="110000"/>
-              </a:schemeClr>
-            </a:gs>
-            <a:gs pos="84000">
-              <a:schemeClr val="accent2">
-                <a:hueOff val="0"/>
-                <a:satOff val="0"/>
-                <a:lumOff val="0"/>
-                <a:alphaOff val="0"/>
-                <a:shade val="90000"/>
-                <a:lumMod val="88000"/>
-              </a:schemeClr>
-            </a:gs>
-          </a:gsLst>
-          <a:lin ang="5400000" scaled="0"/>
-        </a:gradFill>
-        <a:ln>
-          <a:noFill/>
-        </a:ln>
-        <a:effectLst>
-          <a:outerShdw blurRad="38100" dist="25400" dir="5400000" rotWithShape="0">
-            <a:srgbClr val="000000">
-              <a:alpha val="55000"/>
-            </a:srgbClr>
-          </a:outerShdw>
-        </a:effectLst>
-      </dsp:spPr>
-      <dsp:style>
-        <a:lnRef idx="0">
-          <a:scrgbClr r="0" g="0" b="0"/>
-        </a:lnRef>
-        <a:fillRef idx="3">
-          <a:scrgbClr r="0" g="0" b="0"/>
-        </a:fillRef>
-        <a:effectRef idx="2">
-          <a:scrgbClr r="0" g="0" b="0"/>
-        </a:effectRef>
-        <a:fontRef idx="minor">
-          <a:schemeClr val="lt1"/>
-        </a:fontRef>
-      </dsp:style>
-      <dsp:txBody>
-        <a:bodyPr spcFirstLastPara="0" vert="horz" wrap="square" lIns="565775" tIns="88900" rIns="88900" bIns="88900" numCol="1" spcCol="1270" anchor="ctr" anchorCtr="0">
-          <a:noAutofit/>
-        </a:bodyPr>
-        <a:lstStyle/>
-        <a:p>
-          <a:pPr marL="0" lvl="0" indent="0" algn="l" defTabSz="1555750" rtl="0">
-            <a:lnSpc>
-              <a:spcPct val="100000"/>
-            </a:lnSpc>
-            <a:spcBef>
-              <a:spcPct val="0"/>
-            </a:spcBef>
-            <a:spcAft>
-              <a:spcPct val="35000"/>
-            </a:spcAft>
-            <a:buNone/>
-          </a:pPr>
-          <a:r>
-            <a:rPr lang="en-US" sz="3500" kern="1200" dirty="0">
-              <a:latin typeface="Gill Sans MT" panose="020B0502020104020203"/>
-            </a:rPr>
-            <a:t>Key Techniques/Code/Queries</a:t>
-          </a:r>
-          <a:endParaRPr lang="en-US" sz="3500" kern="1200" dirty="0"/>
-        </a:p>
-      </dsp:txBody>
-      <dsp:txXfrm>
-        <a:off x="496568" y="2494756"/>
-        <a:ext cx="6310391" cy="712787"/>
-      </dsp:txXfrm>
-    </dsp:sp>
-    <dsp:sp modelId="{A965097E-32F1-4AB8-8C4E-2814A7596B2F}">
-      <dsp:nvSpPr>
-        <dsp:cNvPr id="0" name=""/>
-        <dsp:cNvSpPr/>
-      </dsp:nvSpPr>
-      <dsp:spPr>
-        <a:xfrm>
-          <a:off x="51076" y="2405658"/>
-          <a:ext cx="890984" cy="890984"/>
+          <a:off x="18799" y="1909379"/>
+          <a:ext cx="1272682" cy="1272682"/>
         </a:xfrm>
         <a:prstGeom prst="ellipse">
           <a:avLst/>
@@ -6706,7 +6498,7 @@
           <a:p>
             <a:fld id="{AF869721-F543-4A6C-BF9D-65D7CC540427}" type="datetimeFigureOut">
               <a:rPr lang="en-US" smtClean="0"/>
-              <a:t>4/26/2020</a:t>
+              <a:t>4/29/2020</a:t>
             </a:fld>
             <a:endParaRPr lang="en-US"/>
           </a:p>
@@ -6883,7 +6675,7 @@
           <a:p>
             <a:fld id="{C732326A-4C88-4AFB-AA5B-5919D81DFF5B}" type="datetimeFigureOut">
               <a:rPr lang="en-US" smtClean="0"/>
-              <a:t>4/26/2020</a:t>
+              <a:t>4/29/2020</a:t>
             </a:fld>
             <a:endParaRPr lang="en-US"/>
           </a:p>
@@ -7468,7 +7260,7 @@
           <a:p>
             <a:fld id="{C6B3AB32-59DF-41F1-9618-EDFBF5049629}" type="slidenum">
               <a:rPr lang="en-US" smtClean="0"/>
-              <a:t>‹#›</a:t>
+              <a:t>11</a:t>
             </a:fld>
             <a:endParaRPr lang="en-US"/>
           </a:p>
@@ -8031,7 +7823,7 @@
           <a:p>
             <a:fld id="{C6B3AB32-59DF-41F1-9618-EDFBF5049629}" type="slidenum">
               <a:rPr lang="en-US" smtClean="0"/>
-              <a:t>‹#›</a:t>
+              <a:t>5</a:t>
             </a:fld>
             <a:endParaRPr lang="en-US"/>
           </a:p>
@@ -8366,24 +8158,24 @@
           <a:lstStyle/>
           <a:p>
             <a:r>
-              <a:rPr lang="en-US">
+              <a:rPr lang="en-US" dirty="0">
                 <a:cs typeface="Calibri"/>
               </a:rPr>
               <a:t>No idea what you </a:t>
             </a:r>
             <a:r>
-              <a:rPr lang="en-US" err="1">
+              <a:rPr lang="en-US" dirty="0" err="1">
                 <a:cs typeface="Calibri"/>
               </a:rPr>
               <a:t>wannat</a:t>
             </a:r>
             <a:r>
-              <a:rPr lang="en-US">
+              <a:rPr lang="en-US" dirty="0">
                 <a:cs typeface="Calibri"/>
               </a:rPr>
               <a:t> talk about this.. THIS slide is a little zoomed in on the ERD. Closer to the Reconditioning session side</a:t>
             </a:r>
-            <a:endParaRPr lang="en-US"/>
+            <a:endParaRPr lang="en-US" dirty="0"/>
           </a:p>
         </p:txBody>
       </p:sp>
@@ -8751,7 +8543,7 @@
             <a:fld id="{B61BEF0D-F0BB-DE4B-95CE-6DB70DBA9567}" type="datetimeFigureOut">
               <a:rPr lang="en-US" smtClean="0"/>
               <a:pPr/>
-              <a:t>4/26/2020</a:t>
+              <a:t>4/29/2020</a:t>
             </a:fld>
             <a:endParaRPr lang="en-US"/>
           </a:p>
@@ -9013,7 +8805,7 @@
             <a:fld id="{B61BEF0D-F0BB-DE4B-95CE-6DB70DBA9567}" type="datetimeFigureOut">
               <a:rPr lang="en-US" smtClean="0"/>
               <a:pPr/>
-              <a:t>4/26/2020</a:t>
+              <a:t>4/29/2020</a:t>
             </a:fld>
             <a:endParaRPr lang="en-US"/>
           </a:p>
@@ -9248,7 +9040,7 @@
             <a:fld id="{B61BEF0D-F0BB-DE4B-95CE-6DB70DBA9567}" type="datetimeFigureOut">
               <a:rPr lang="en-US" smtClean="0"/>
               <a:pPr/>
-              <a:t>4/26/2020</a:t>
+              <a:t>4/29/2020</a:t>
             </a:fld>
             <a:endParaRPr lang="en-US"/>
           </a:p>
@@ -9488,7 +9280,7 @@
             <a:fld id="{B61BEF0D-F0BB-DE4B-95CE-6DB70DBA9567}" type="datetimeFigureOut">
               <a:rPr lang="en-US" smtClean="0"/>
               <a:pPr/>
-              <a:t>4/26/2020</a:t>
+              <a:t>4/29/2020</a:t>
             </a:fld>
             <a:endParaRPr lang="en-US"/>
           </a:p>
@@ -9796,7 +9588,7 @@
             <a:fld id="{B61BEF0D-F0BB-DE4B-95CE-6DB70DBA9567}" type="datetimeFigureOut">
               <a:rPr lang="en-US" smtClean="0"/>
               <a:pPr/>
-              <a:t>4/26/2020</a:t>
+              <a:t>4/29/2020</a:t>
             </a:fld>
             <a:endParaRPr lang="en-US"/>
           </a:p>
@@ -10097,7 +9889,7 @@
             <a:fld id="{B61BEF0D-F0BB-DE4B-95CE-6DB70DBA9567}" type="datetimeFigureOut">
               <a:rPr lang="en-US" smtClean="0"/>
               <a:pPr/>
-              <a:t>4/26/2020</a:t>
+              <a:t>4/29/2020</a:t>
             </a:fld>
             <a:endParaRPr lang="en-US"/>
           </a:p>
@@ -10518,7 +10310,7 @@
             <a:fld id="{B61BEF0D-F0BB-DE4B-95CE-6DB70DBA9567}" type="datetimeFigureOut">
               <a:rPr lang="en-US" smtClean="0"/>
               <a:pPr/>
-              <a:t>4/26/2020</a:t>
+              <a:t>4/29/2020</a:t>
             </a:fld>
             <a:endParaRPr lang="en-US"/>
           </a:p>
@@ -10615,7 +10407,7 @@
             <a:fld id="{B61BEF0D-F0BB-DE4B-95CE-6DB70DBA9567}" type="datetimeFigureOut">
               <a:rPr lang="en-US" smtClean="0"/>
               <a:pPr/>
-              <a:t>4/26/2020</a:t>
+              <a:t>4/29/2020</a:t>
             </a:fld>
             <a:endParaRPr lang="en-US"/>
           </a:p>
@@ -10778,7 +10570,7 @@
             <a:fld id="{B61BEF0D-F0BB-DE4B-95CE-6DB70DBA9567}" type="datetimeFigureOut">
               <a:rPr lang="en-US" smtClean="0"/>
               <a:pPr/>
-              <a:t>4/26/2020</a:t>
+              <a:t>4/29/2020</a:t>
             </a:fld>
             <a:endParaRPr lang="en-US"/>
           </a:p>
@@ -11156,7 +10948,7 @@
             <a:fld id="{B61BEF0D-F0BB-DE4B-95CE-6DB70DBA9567}" type="datetimeFigureOut">
               <a:rPr lang="en-US" smtClean="0"/>
               <a:pPr/>
-              <a:t>4/26/2020</a:t>
+              <a:t>4/29/2020</a:t>
             </a:fld>
             <a:endParaRPr lang="en-US"/>
           </a:p>
@@ -11445,7 +11237,7 @@
             <a:fld id="{B61BEF0D-F0BB-DE4B-95CE-6DB70DBA9567}" type="datetimeFigureOut">
               <a:rPr lang="en-US" smtClean="0"/>
               <a:pPr/>
-              <a:t>4/26/2020</a:t>
+              <a:t>4/29/2020</a:t>
             </a:fld>
             <a:endParaRPr lang="en-US"/>
           </a:p>
@@ -11656,7 +11448,7 @@
             <a:fld id="{B61BEF0D-F0BB-DE4B-95CE-6DB70DBA9567}" type="datetimeFigureOut">
               <a:rPr lang="en-US" smtClean="0"/>
               <a:pPr/>
-              <a:t>4/26/2020</a:t>
+              <a:t>4/29/2020</a:t>
             </a:fld>
             <a:endParaRPr lang="en-US"/>
           </a:p>
@@ -13441,101 +13233,6 @@
 <file path=ppt/slides/slide12.xml><?xml version="1.0" encoding="utf-8"?>
 <p:sld xmlns:a="http://schemas.openxmlformats.org/drawingml/2006/main" xmlns:r="http://schemas.openxmlformats.org/officeDocument/2006/relationships" xmlns:p="http://schemas.openxmlformats.org/presentationml/2006/main">
   <p:cSld>
-    <p:spTree>
-      <p:nvGrpSpPr>
-        <p:cNvPr id="1" name=""/>
-        <p:cNvGrpSpPr/>
-        <p:nvPr/>
-      </p:nvGrpSpPr>
-      <p:grpSpPr>
-        <a:xfrm>
-          <a:off x="0" y="0"/>
-          <a:ext cx="0" cy="0"/>
-          <a:chOff x="0" y="0"/>
-          <a:chExt cx="0" cy="0"/>
-        </a:xfrm>
-      </p:grpSpPr>
-      <p:sp>
-        <p:nvSpPr>
-          <p:cNvPr id="2" name="Title 1">
-            <a:extLst>
-              <a:ext uri="{FF2B5EF4-FFF2-40B4-BE49-F238E27FC236}">
-                <a16:creationId xmlns:a16="http://schemas.microsoft.com/office/drawing/2014/main" id="{A6DA2754-C7ED-4BC7-A36E-FBEC92996237}"/>
-              </a:ext>
-            </a:extLst>
-          </p:cNvPr>
-          <p:cNvSpPr>
-            <a:spLocks noGrp="1"/>
-          </p:cNvSpPr>
-          <p:nvPr>
-            <p:ph type="title"/>
-          </p:nvPr>
-        </p:nvSpPr>
-        <p:spPr/>
-        <p:txBody>
-          <a:bodyPr/>
-          <a:lstStyle/>
-          <a:p>
-            <a:r>
-              <a:rPr lang="en-US" dirty="0"/>
-              <a:t>Code that </a:t>
-            </a:r>
-            <a:r>
-              <a:rPr lang="en-US" dirty="0" err="1"/>
-              <a:t>turhan</a:t>
-            </a:r>
-            <a:r>
-              <a:rPr lang="en-US" dirty="0"/>
-              <a:t> did</a:t>
-            </a:r>
-          </a:p>
-        </p:txBody>
-      </p:sp>
-      <p:sp>
-        <p:nvSpPr>
-          <p:cNvPr id="3" name="Content Placeholder 2">
-            <a:extLst>
-              <a:ext uri="{FF2B5EF4-FFF2-40B4-BE49-F238E27FC236}">
-                <a16:creationId xmlns:a16="http://schemas.microsoft.com/office/drawing/2014/main" id="{8CAF4295-3D93-45F6-87C4-6113BB8DC590}"/>
-              </a:ext>
-            </a:extLst>
-          </p:cNvPr>
-          <p:cNvSpPr>
-            <a:spLocks noGrp="1"/>
-          </p:cNvSpPr>
-          <p:nvPr>
-            <p:ph idx="1"/>
-          </p:nvPr>
-        </p:nvSpPr>
-        <p:spPr/>
-        <p:txBody>
-          <a:bodyPr/>
-          <a:lstStyle/>
-          <a:p>
-            <a:pPr marL="305435" indent="-305435"/>
-            <a:r>
-              <a:rPr lang="en-US" dirty="0"/>
-              <a:t>Just insert some code from your program!</a:t>
-            </a:r>
-          </a:p>
-        </p:txBody>
-      </p:sp>
-    </p:spTree>
-    <p:extLst>
-      <p:ext uri="{BB962C8B-B14F-4D97-AF65-F5344CB8AC3E}">
-        <p14:creationId xmlns:p14="http://schemas.microsoft.com/office/powerpoint/2010/main" val="1211711149"/>
-      </p:ext>
-    </p:extLst>
-  </p:cSld>
-  <p:clrMapOvr>
-    <a:masterClrMapping/>
-  </p:clrMapOvr>
-</p:sld>
-</file>
-
-<file path=ppt/slides/slide13.xml><?xml version="1.0" encoding="utf-8"?>
-<p:sld xmlns:a="http://schemas.openxmlformats.org/drawingml/2006/main" xmlns:r="http://schemas.openxmlformats.org/officeDocument/2006/relationships" xmlns:p="http://schemas.openxmlformats.org/presentationml/2006/main">
-  <p:cSld>
     <p:bg>
       <p:bgPr>
         <a:solidFill>
@@ -13993,7 +13690,7 @@
 </p:sld>
 </file>
 
-<file path=ppt/slides/slide14.xml><?xml version="1.0" encoding="utf-8"?>
+<file path=ppt/slides/slide13.xml><?xml version="1.0" encoding="utf-8"?>
 <p:sld xmlns:a="http://schemas.openxmlformats.org/drawingml/2006/main" xmlns:r="http://schemas.openxmlformats.org/officeDocument/2006/relationships" xmlns:p="http://schemas.openxmlformats.org/presentationml/2006/main">
   <p:cSld>
     <p:spTree>
@@ -15309,7 +15006,7 @@
         </p:blipFill>
         <p:spPr>
           <a:xfrm>
-            <a:off x="3664537" y="-53485"/>
+            <a:off x="3868113" y="118077"/>
             <a:ext cx="8096782" cy="6881335"/>
           </a:xfrm>
           <a:prstGeom prst="rect">
@@ -15411,6 +15108,224 @@
           </a:p>
         </p:txBody>
       </p:sp>
+      <p:sp>
+        <p:nvSpPr>
+          <p:cNvPr id="4" name="Rectangle 3">
+            <a:extLst>
+              <a:ext uri="{FF2B5EF4-FFF2-40B4-BE49-F238E27FC236}">
+                <a16:creationId xmlns:a16="http://schemas.microsoft.com/office/drawing/2014/main" id="{903309EB-88C2-4632-A124-02D64EC37B26}"/>
+              </a:ext>
+            </a:extLst>
+          </p:cNvPr>
+          <p:cNvSpPr/>
+          <p:nvPr/>
+        </p:nvSpPr>
+        <p:spPr>
+          <a:xfrm>
+            <a:off x="5226681" y="1285791"/>
+            <a:ext cx="2353963" cy="1441361"/>
+          </a:xfrm>
+          <a:prstGeom prst="rect">
+            <a:avLst/>
+          </a:prstGeom>
+          <a:noFill/>
+        </p:spPr>
+        <p:style>
+          <a:lnRef idx="2">
+            <a:schemeClr val="accent1">
+              <a:shade val="50000"/>
+            </a:schemeClr>
+          </a:lnRef>
+          <a:fillRef idx="1">
+            <a:schemeClr val="accent1"/>
+          </a:fillRef>
+          <a:effectRef idx="0">
+            <a:schemeClr val="accent1"/>
+          </a:effectRef>
+          <a:fontRef idx="minor">
+            <a:schemeClr val="lt1"/>
+          </a:fontRef>
+        </p:style>
+        <p:txBody>
+          <a:bodyPr rtlCol="0" anchor="ctr"/>
+          <a:lstStyle/>
+          <a:p>
+            <a:pPr algn="ctr"/>
+            <a:endParaRPr lang="en-US"/>
+          </a:p>
+        </p:txBody>
+      </p:sp>
+      <p:sp>
+        <p:nvSpPr>
+          <p:cNvPr id="11" name="Rectangle 10">
+            <a:extLst>
+              <a:ext uri="{FF2B5EF4-FFF2-40B4-BE49-F238E27FC236}">
+                <a16:creationId xmlns:a16="http://schemas.microsoft.com/office/drawing/2014/main" id="{DBCDECC3-64F1-450F-9D8C-40342A8D33CE}"/>
+              </a:ext>
+            </a:extLst>
+          </p:cNvPr>
+          <p:cNvSpPr/>
+          <p:nvPr/>
+        </p:nvSpPr>
+        <p:spPr>
+          <a:xfrm>
+            <a:off x="5226681" y="3347309"/>
+            <a:ext cx="2088519" cy="2763107"/>
+          </a:xfrm>
+          <a:prstGeom prst="rect">
+            <a:avLst/>
+          </a:prstGeom>
+          <a:noFill/>
+        </p:spPr>
+        <p:style>
+          <a:lnRef idx="2">
+            <a:schemeClr val="accent1">
+              <a:shade val="50000"/>
+            </a:schemeClr>
+          </a:lnRef>
+          <a:fillRef idx="1">
+            <a:schemeClr val="accent1"/>
+          </a:fillRef>
+          <a:effectRef idx="0">
+            <a:schemeClr val="accent1"/>
+          </a:effectRef>
+          <a:fontRef idx="minor">
+            <a:schemeClr val="lt1"/>
+          </a:fontRef>
+        </p:style>
+        <p:txBody>
+          <a:bodyPr rtlCol="0" anchor="ctr"/>
+          <a:lstStyle/>
+          <a:p>
+            <a:pPr algn="ctr"/>
+            <a:endParaRPr lang="en-US"/>
+          </a:p>
+        </p:txBody>
+      </p:sp>
+      <p:sp>
+        <p:nvSpPr>
+          <p:cNvPr id="12" name="Rectangle 11">
+            <a:extLst>
+              <a:ext uri="{FF2B5EF4-FFF2-40B4-BE49-F238E27FC236}">
+                <a16:creationId xmlns:a16="http://schemas.microsoft.com/office/drawing/2014/main" id="{572419FA-BDC6-4B7F-83AC-E92BCA723625}"/>
+              </a:ext>
+            </a:extLst>
+          </p:cNvPr>
+          <p:cNvSpPr/>
+          <p:nvPr/>
+        </p:nvSpPr>
+        <p:spPr>
+          <a:xfrm>
+            <a:off x="7739221" y="725618"/>
+            <a:ext cx="2353963" cy="1441361"/>
+          </a:xfrm>
+          <a:prstGeom prst="rect">
+            <a:avLst/>
+          </a:prstGeom>
+          <a:noFill/>
+        </p:spPr>
+        <p:style>
+          <a:lnRef idx="2">
+            <a:schemeClr val="accent1">
+              <a:shade val="50000"/>
+            </a:schemeClr>
+          </a:lnRef>
+          <a:fillRef idx="1">
+            <a:schemeClr val="accent1"/>
+          </a:fillRef>
+          <a:effectRef idx="0">
+            <a:schemeClr val="accent1"/>
+          </a:effectRef>
+          <a:fontRef idx="minor">
+            <a:schemeClr val="lt1"/>
+          </a:fontRef>
+        </p:style>
+        <p:txBody>
+          <a:bodyPr rtlCol="0" anchor="ctr"/>
+          <a:lstStyle/>
+          <a:p>
+            <a:pPr algn="ctr"/>
+            <a:endParaRPr lang="en-US"/>
+          </a:p>
+        </p:txBody>
+      </p:sp>
+      <p:sp>
+        <p:nvSpPr>
+          <p:cNvPr id="14" name="Rectangle 13">
+            <a:extLst>
+              <a:ext uri="{FF2B5EF4-FFF2-40B4-BE49-F238E27FC236}">
+                <a16:creationId xmlns:a16="http://schemas.microsoft.com/office/drawing/2014/main" id="{D232EDFA-64D4-4111-9ABD-D3A6A1D15DE0}"/>
+              </a:ext>
+            </a:extLst>
+          </p:cNvPr>
+          <p:cNvSpPr/>
+          <p:nvPr/>
+        </p:nvSpPr>
+        <p:spPr>
+          <a:xfrm>
+            <a:off x="7644486" y="4486191"/>
+            <a:ext cx="2353963" cy="2513221"/>
+          </a:xfrm>
+          <a:prstGeom prst="rect">
+            <a:avLst/>
+          </a:prstGeom>
+          <a:noFill/>
+        </p:spPr>
+        <p:style>
+          <a:lnRef idx="2">
+            <a:schemeClr val="accent1">
+              <a:shade val="50000"/>
+            </a:schemeClr>
+          </a:lnRef>
+          <a:fillRef idx="1">
+            <a:schemeClr val="accent1"/>
+          </a:fillRef>
+          <a:effectRef idx="0">
+            <a:schemeClr val="accent1"/>
+          </a:effectRef>
+          <a:fontRef idx="minor">
+            <a:schemeClr val="lt1"/>
+          </a:fontRef>
+        </p:style>
+        <p:txBody>
+          <a:bodyPr rtlCol="0" anchor="ctr"/>
+          <a:lstStyle/>
+          <a:p>
+            <a:pPr algn="ctr"/>
+            <a:endParaRPr lang="en-US"/>
+          </a:p>
+        </p:txBody>
+      </p:sp>
+      <p:pic>
+        <p:nvPicPr>
+          <p:cNvPr id="15" name="Picture 14">
+            <a:extLst>
+              <a:ext uri="{FF2B5EF4-FFF2-40B4-BE49-F238E27FC236}">
+                <a16:creationId xmlns:a16="http://schemas.microsoft.com/office/drawing/2014/main" id="{C5F557DC-3506-460C-A42E-0A0B92A5D1AB}"/>
+              </a:ext>
+            </a:extLst>
+          </p:cNvPr>
+          <p:cNvPicPr>
+            <a:picLocks noChangeAspect="1"/>
+          </p:cNvPicPr>
+          <p:nvPr/>
+        </p:nvPicPr>
+        <p:blipFill>
+          <a:blip r:embed="rId4"/>
+          <a:stretch>
+            <a:fillRect/>
+          </a:stretch>
+        </p:blipFill>
+        <p:spPr>
+          <a:xfrm>
+            <a:off x="10919400" y="1863876"/>
+            <a:ext cx="1064704" cy="797637"/>
+          </a:xfrm>
+          <a:prstGeom prst="rect">
+            <a:avLst/>
+          </a:prstGeom>
+        </p:spPr>
+      </p:pic>
     </p:spTree>
     <p:extLst>
       <p:ext uri="{BB962C8B-B14F-4D97-AF65-F5344CB8AC3E}">
@@ -16096,7 +16011,7 @@
         </p:blipFill>
         <p:spPr>
           <a:xfrm>
-            <a:off x="446532" y="599724"/>
+            <a:off x="329143" y="453643"/>
             <a:ext cx="11292143" cy="5200321"/>
           </a:xfrm>
           <a:prstGeom prst="rect">
@@ -16157,6 +16072,53 @@
             <a:schemeClr val="lt1"/>
           </a:fontRef>
         </p:style>
+      </p:sp>
+      <p:sp>
+        <p:nvSpPr>
+          <p:cNvPr id="4" name="Rectangle 3">
+            <a:extLst>
+              <a:ext uri="{FF2B5EF4-FFF2-40B4-BE49-F238E27FC236}">
+                <a16:creationId xmlns:a16="http://schemas.microsoft.com/office/drawing/2014/main" id="{8A376A74-7029-4348-A61E-3FFA7B4799F9}"/>
+              </a:ext>
+            </a:extLst>
+          </p:cNvPr>
+          <p:cNvSpPr/>
+          <p:nvPr/>
+        </p:nvSpPr>
+        <p:spPr>
+          <a:xfrm>
+            <a:off x="651033" y="1004062"/>
+            <a:ext cx="2913891" cy="3883035"/>
+          </a:xfrm>
+          <a:prstGeom prst="rect">
+            <a:avLst/>
+          </a:prstGeom>
+          <a:noFill/>
+        </p:spPr>
+        <p:style>
+          <a:lnRef idx="2">
+            <a:schemeClr val="accent1">
+              <a:shade val="50000"/>
+            </a:schemeClr>
+          </a:lnRef>
+          <a:fillRef idx="1">
+            <a:schemeClr val="accent1"/>
+          </a:fillRef>
+          <a:effectRef idx="0">
+            <a:schemeClr val="accent1"/>
+          </a:effectRef>
+          <a:fontRef idx="minor">
+            <a:schemeClr val="lt1"/>
+          </a:fontRef>
+        </p:style>
+        <p:txBody>
+          <a:bodyPr rtlCol="0" anchor="ctr"/>
+          <a:lstStyle/>
+          <a:p>
+            <a:pPr algn="ctr"/>
+            <a:endParaRPr lang="en-US" dirty="0"/>
+          </a:p>
+        </p:txBody>
       </p:sp>
     </p:spTree>
     <p:extLst>
@@ -16537,7 +16499,7 @@
             <p:ph idx="1"/>
             <p:extLst>
               <p:ext uri="{D42A27DB-BD31-4B8C-83A1-F6EECF244321}">
-                <p14:modId xmlns:p14="http://schemas.microsoft.com/office/powerpoint/2010/main" val="3874176904"/>
+                <p14:modId xmlns:p14="http://schemas.microsoft.com/office/powerpoint/2010/main" val="2373162245"/>
               </p:ext>
             </p:extLst>
           </p:nvPr>
@@ -17425,21 +17387,21 @@
 </file>
 
 <file path=customXml/item1.xml><?xml version="1.0" encoding="utf-8"?>
+<p:properties xmlns:p="http://schemas.microsoft.com/office/2006/metadata/properties" xmlns:xsi="http://www.w3.org/2001/XMLSchema-instance" xmlns:pc="http://schemas.microsoft.com/office/infopath/2007/PartnerControls">
+  <documentManagement>
+    <Status xmlns="71af3243-3dd4-4a8d-8c0d-dd76da1f02a5">Not started</Status>
+    <MediaServiceKeyPoints xmlns="71af3243-3dd4-4a8d-8c0d-dd76da1f02a5" xsi:nil="true"/>
+  </documentManagement>
+</p:properties>
+</file>
+
+<file path=customXml/item2.xml><?xml version="1.0" encoding="utf-8"?>
 <?mso-contentType ?>
 <FormTemplates xmlns="http://schemas.microsoft.com/sharepoint/v3/contenttype/forms">
   <Display>DocumentLibraryForm</Display>
   <Edit>DocumentLibraryForm</Edit>
   <New>DocumentLibraryForm</New>
 </FormTemplates>
-</file>
-
-<file path=customXml/item2.xml><?xml version="1.0" encoding="utf-8"?>
-<p:properties xmlns:p="http://schemas.microsoft.com/office/2006/metadata/properties" xmlns:xsi="http://www.w3.org/2001/XMLSchema-instance" xmlns:pc="http://schemas.microsoft.com/office/infopath/2007/PartnerControls">
-  <documentManagement>
-    <Status xmlns="71af3243-3dd4-4a8d-8c0d-dd76da1f02a5">Not started</Status>
-    <MediaServiceKeyPoints xmlns="71af3243-3dd4-4a8d-8c0d-dd76da1f02a5" xsi:nil="true"/>
-  </documentManagement>
-</p:properties>
 </file>
 
 <file path=customXml/item3.xml><?xml version="1.0" encoding="utf-8"?>
@@ -17664,19 +17626,19 @@
 </file>
 
 <file path=customXml/itemProps1.xml><?xml version="1.0" encoding="utf-8"?>
-<ds:datastoreItem xmlns:ds="http://schemas.openxmlformats.org/officeDocument/2006/customXml" ds:itemID="{CF1C31AD-A7B7-4945-9E95-3D677967432A}">
+<ds:datastoreItem xmlns:ds="http://schemas.openxmlformats.org/officeDocument/2006/customXml" ds:itemID="{D9AA5B70-631E-4F47-874A-FBE55E5170D4}">
   <ds:schemaRefs>
-    <ds:schemaRef ds:uri="http://schemas.microsoft.com/sharepoint/v3/contenttype/forms"/>
+    <ds:schemaRef ds:uri="http://schemas.microsoft.com/office/2006/metadata/properties"/>
+    <ds:schemaRef ds:uri="http://schemas.microsoft.com/office/infopath/2007/PartnerControls"/>
+    <ds:schemaRef ds:uri="71af3243-3dd4-4a8d-8c0d-dd76da1f02a5"/>
   </ds:schemaRefs>
 </ds:datastoreItem>
 </file>
 
 <file path=customXml/itemProps2.xml><?xml version="1.0" encoding="utf-8"?>
-<ds:datastoreItem xmlns:ds="http://schemas.openxmlformats.org/officeDocument/2006/customXml" ds:itemID="{D9AA5B70-631E-4F47-874A-FBE55E5170D4}">
+<ds:datastoreItem xmlns:ds="http://schemas.openxmlformats.org/officeDocument/2006/customXml" ds:itemID="{CF1C31AD-A7B7-4945-9E95-3D677967432A}">
   <ds:schemaRefs>
-    <ds:schemaRef ds:uri="http://schemas.microsoft.com/office/2006/metadata/properties"/>
-    <ds:schemaRef ds:uri="http://schemas.microsoft.com/office/infopath/2007/PartnerControls"/>
-    <ds:schemaRef ds:uri="71af3243-3dd4-4a8d-8c0d-dd76da1f02a5"/>
+    <ds:schemaRef ds:uri="http://schemas.microsoft.com/sharepoint/v3/contenttype/forms"/>
   </ds:schemaRefs>
 </ds:datastoreItem>
 </file>
